--- a/presentation.pptx
+++ b/presentation.pptx
@@ -6,13 +6,14 @@
     <p:sldMasterId id="2147483707" r:id="rId2"/>
   </p:sldMasterIdLst>
   <p:notesMasterIdLst>
-    <p:notesMasterId r:id="rId7"/>
+    <p:notesMasterId r:id="rId8"/>
   </p:notesMasterIdLst>
   <p:sldIdLst>
     <p:sldId id="256" r:id="rId3"/>
     <p:sldId id="293" r:id="rId4"/>
     <p:sldId id="289" r:id="rId5"/>
     <p:sldId id="294" r:id="rId6"/>
+    <p:sldId id="295" r:id="rId7"/>
   </p:sldIdLst>
   <p:sldSz cx="9144000" cy="6858000" type="screen4x3"/>
   <p:notesSz cx="6858000" cy="9144000"/>
@@ -143,7 +144,7 @@
   </p:defaultTextStyle>
   <p:extLst>
     <p:ext uri="{EFAFB233-063F-42B5-8137-9DF3F51BA10A}">
-      <p15:sldGuideLst xmlns:p15="http://schemas.microsoft.com/office/powerpoint/2012/main" xmlns="">
+      <p15:sldGuideLst xmlns="" xmlns:p15="http://schemas.microsoft.com/office/powerpoint/2012/main">
         <p15:guide id="1" orient="horz" pos="2160">
           <p15:clr>
             <a:srgbClr val="A4A3A4"/>
@@ -7801,9 +7802,6 @@
               </a:rPr>
               <a:t>Carp Diem</a:t>
             </a:r>
-            <a:endParaRPr lang="en-US" altLang="en-US" sz="6600" dirty="0" smtClean="0">
-              <a:latin typeface="+mn-lt"/>
-            </a:endParaRPr>
           </a:p>
         </p:txBody>
       </p:sp>
@@ -7995,9 +7993,6 @@
               </a:rPr>
               <a:t>Asian Carp Spawning</a:t>
             </a:r>
-            <a:endParaRPr lang="en-US" altLang="en-US" dirty="0" smtClean="0">
-              <a:latin typeface="+mn-lt"/>
-            </a:endParaRPr>
           </a:p>
         </p:txBody>
       </p:sp>
@@ -8083,7 +8078,6 @@
               <a:rPr lang="en-CA" dirty="0" smtClean="0"/>
               <a:t>Asian carps are invasive species</a:t>
             </a:r>
-            <a:endParaRPr lang="en-CA" dirty="0" smtClean="0"/>
           </a:p>
           <a:p>
             <a:pPr marL="118872" indent="0">
@@ -8260,7 +8254,15 @@
             <a:pPr lvl="1"/>
             <a:r>
               <a:rPr lang="en-CA" dirty="0" smtClean="0"/>
-              <a:t>Data collection (water quality, temperature)</a:t>
+              <a:t>Data </a:t>
+            </a:r>
+            <a:r>
+              <a:rPr lang="en-CA" dirty="0" smtClean="0"/>
+              <a:t>aggregation (water </a:t>
+            </a:r>
+            <a:r>
+              <a:rPr lang="en-CA" dirty="0" smtClean="0"/>
+              <a:t>quality, temperature)</a:t>
             </a:r>
           </a:p>
           <a:p>
@@ -8488,7 +8490,15 @@
             </a:pPr>
             <a:r>
               <a:rPr lang="en-US" b="1" dirty="0" smtClean="0"/>
-              <a:t>Google Map API</a:t>
+              <a:t>Google </a:t>
+            </a:r>
+            <a:r>
+              <a:rPr lang="en-US" b="1" dirty="0" smtClean="0"/>
+              <a:t>Maps </a:t>
+            </a:r>
+            <a:r>
+              <a:rPr lang="en-US" b="1" dirty="0" smtClean="0"/>
+              <a:t>API</a:t>
             </a:r>
             <a:r>
               <a:rPr lang="en-US" dirty="0" smtClean="0"/>
@@ -8549,6 +8559,106 @@
     <p:extLst>
       <p:ext uri="{BB962C8B-B14F-4D97-AF65-F5344CB8AC3E}">
         <p14:creationId xmlns:p14="http://schemas.microsoft.com/office/powerpoint/2010/main" val="2115712852"/>
+      </p:ext>
+    </p:extLst>
+  </p:cSld>
+  <p:clrMapOvr>
+    <a:masterClrMapping/>
+  </p:clrMapOvr>
+  <mc:AlternateContent xmlns:mc="http://schemas.openxmlformats.org/markup-compatibility/2006" xmlns:p14="http://schemas.microsoft.com/office/powerpoint/2010/main">
+    <mc:Choice Requires="p14">
+      <p:transition p14:dur="0"/>
+    </mc:Choice>
+    <mc:Fallback xmlns="">
+      <p:transition/>
+    </mc:Fallback>
+  </mc:AlternateContent>
+  <p:timing>
+    <p:tnLst>
+      <p:par>
+        <p:cTn id="1" dur="indefinite" restart="never" nodeType="tmRoot"/>
+      </p:par>
+    </p:tnLst>
+  </p:timing>
+</p:sld>
+</file>
+
+<file path=ppt/slides/slide5.xml><?xml version="1.0" encoding="utf-8"?>
+<p:sld xmlns:a="http://schemas.openxmlformats.org/drawingml/2006/main" xmlns:r="http://schemas.openxmlformats.org/officeDocument/2006/relationships" xmlns:p="http://schemas.openxmlformats.org/presentationml/2006/main">
+  <p:cSld>
+    <p:spTree>
+      <p:nvGrpSpPr>
+        <p:cNvPr id="1" name=""/>
+        <p:cNvGrpSpPr/>
+        <p:nvPr/>
+      </p:nvGrpSpPr>
+      <p:grpSpPr>
+        <a:xfrm>
+          <a:off x="0" y="0"/>
+          <a:ext cx="0" cy="0"/>
+          <a:chOff x="0" y="0"/>
+          <a:chExt cx="0" cy="0"/>
+        </a:xfrm>
+      </p:grpSpPr>
+      <p:sp>
+        <p:nvSpPr>
+          <p:cNvPr id="5" name="Title 4"/>
+          <p:cNvSpPr>
+            <a:spLocks noGrp="1"/>
+          </p:cNvSpPr>
+          <p:nvPr>
+            <p:ph type="ctrTitle"/>
+          </p:nvPr>
+        </p:nvSpPr>
+        <p:spPr>
+          <a:xfrm>
+            <a:off x="533400" y="3048000"/>
+            <a:ext cx="8077200" cy="1673352"/>
+          </a:xfrm>
+        </p:spPr>
+        <p:txBody>
+          <a:bodyPr>
+            <a:noAutofit/>
+          </a:bodyPr>
+          <a:lstStyle/>
+          <a:p>
+            <a:pPr algn="ctr"/>
+            <a:r>
+              <a:rPr lang="en-US" sz="11500" dirty="0" smtClean="0"/>
+              <a:t>DEMO</a:t>
+            </a:r>
+            <a:endParaRPr lang="en-US" sz="11500" dirty="0"/>
+          </a:p>
+        </p:txBody>
+      </p:sp>
+      <p:sp>
+        <p:nvSpPr>
+          <p:cNvPr id="4" name="Slide Number Placeholder 3"/>
+          <p:cNvSpPr>
+            <a:spLocks noGrp="1"/>
+          </p:cNvSpPr>
+          <p:nvPr>
+            <p:ph type="sldNum" sz="quarter" idx="12"/>
+          </p:nvPr>
+        </p:nvSpPr>
+        <p:spPr/>
+        <p:txBody>
+          <a:bodyPr/>
+          <a:lstStyle/>
+          <a:p>
+            <a:fld id="{2B514680-D059-4F98-B295-3D87732080CD}" type="slidenum">
+              <a:rPr lang="en-US" altLang="en-US" smtClean="0"/>
+              <a:pPr/>
+              <a:t>5</a:t>
+            </a:fld>
+            <a:endParaRPr lang="en-US" altLang="en-US"/>
+          </a:p>
+        </p:txBody>
+      </p:sp>
+    </p:spTree>
+    <p:extLst>
+      <p:ext uri="{BB962C8B-B14F-4D97-AF65-F5344CB8AC3E}">
+        <p14:creationId xmlns:p14="http://schemas.microsoft.com/office/powerpoint/2010/main" val="3678810908"/>
       </p:ext>
     </p:extLst>
   </p:cSld>
@@ -8563,13 +8673,6 @@
       <p:transition/>
     </mc:Fallback>
   </mc:AlternateContent>
-  <p:timing>
-    <p:tnLst>
-      <p:par>
-        <p:cTn id="1" dur="indefinite" restart="never" nodeType="tmRoot"/>
-      </p:par>
-    </p:tnLst>
-  </p:timing>
 </p:sld>
 </file>
 
